--- a/slides/S5_QualityControl_0602.pptx
+++ b/slides/S5_QualityControl_0602.pptx
@@ -272,7 +272,7 @@
               <a:pPr>
                 <a:defRPr/>
               </a:pPr>
-              <a:t>2015/6/2</a:t>
+              <a:t>16/3/25</a:t>
             </a:fld>
             <a:endParaRPr lang="zh-CN" altLang="en-US"/>
           </a:p>
@@ -795,14 +795,14 @@
           </a:ln>
           <a:extLst>
             <a:ext uri="{909E8E84-426E-40dd-AFC4-6F175D3DCCD1}">
-              <a14:hiddenFill xmlns="" xmlns:a14="http://schemas.microsoft.com/office/drawing/2010/main">
+              <a14:hiddenFill xmlns:a14="http://schemas.microsoft.com/office/drawing/2010/main" xmlns="">
                 <a:solidFill>
                   <a:srgbClr val="FFFFFF"/>
                 </a:solidFill>
               </a14:hiddenFill>
             </a:ext>
             <a:ext uri="{91240B29-F687-4f45-9708-019B960494DF}">
-              <a14:hiddenLine xmlns="" xmlns:a14="http://schemas.microsoft.com/office/drawing/2010/main" w="9525">
+              <a14:hiddenLine xmlns:a14="http://schemas.microsoft.com/office/drawing/2010/main" xmlns="" w="9525">
                 <a:solidFill>
                   <a:srgbClr val="000000"/>
                 </a:solidFill>
@@ -901,14 +901,14 @@
           </a:ln>
           <a:extLst>
             <a:ext uri="{909E8E84-426E-40dd-AFC4-6F175D3DCCD1}">
-              <a14:hiddenFill xmlns="" xmlns:a14="http://schemas.microsoft.com/office/drawing/2010/main">
+              <a14:hiddenFill xmlns:a14="http://schemas.microsoft.com/office/drawing/2010/main" xmlns="">
                 <a:solidFill>
                   <a:srgbClr val="FFFFFF"/>
                 </a:solidFill>
               </a14:hiddenFill>
             </a:ext>
             <a:ext uri="{91240B29-F687-4f45-9708-019B960494DF}">
-              <a14:hiddenLine xmlns="" xmlns:a14="http://schemas.microsoft.com/office/drawing/2010/main" w="9525">
+              <a14:hiddenLine xmlns:a14="http://schemas.microsoft.com/office/drawing/2010/main" xmlns="" w="9525">
                 <a:solidFill>
                   <a:srgbClr val="000000"/>
                 </a:solidFill>
@@ -1109,7 +1109,7 @@
               <a:pPr>
                 <a:defRPr/>
               </a:pPr>
-              <a:t>6/2/2015</a:t>
+              <a:t>3/25/16</a:t>
             </a:fld>
             <a:endParaRPr lang="en-US" altLang="zh-CN"/>
           </a:p>
@@ -1324,7 +1324,7 @@
               <a:pPr>
                 <a:defRPr/>
               </a:pPr>
-              <a:t>6/2/2015</a:t>
+              <a:t>3/25/16</a:t>
             </a:fld>
             <a:endParaRPr lang="en-US" altLang="zh-CN"/>
           </a:p>
@@ -1531,7 +1531,7 @@
               <a:pPr>
                 <a:defRPr/>
               </a:pPr>
-              <a:t>6/2/2015</a:t>
+              <a:t>3/25/16</a:t>
             </a:fld>
             <a:endParaRPr lang="en-US" altLang="zh-CN"/>
           </a:p>
@@ -1769,14 +1769,14 @@
           </a:ln>
           <a:extLst>
             <a:ext uri="{909E8E84-426E-40dd-AFC4-6F175D3DCCD1}">
-              <a14:hiddenFill xmlns="" xmlns:a14="http://schemas.microsoft.com/office/drawing/2010/main">
+              <a14:hiddenFill xmlns:a14="http://schemas.microsoft.com/office/drawing/2010/main" xmlns="">
                 <a:solidFill>
                   <a:srgbClr val="FFFFFF"/>
                 </a:solidFill>
               </a14:hiddenFill>
             </a:ext>
             <a:ext uri="{91240B29-F687-4f45-9708-019B960494DF}">
-              <a14:hiddenLine xmlns="" xmlns:a14="http://schemas.microsoft.com/office/drawing/2010/main" w="9525">
+              <a14:hiddenLine xmlns:a14="http://schemas.microsoft.com/office/drawing/2010/main" xmlns="" w="9525">
                 <a:solidFill>
                   <a:srgbClr val="000000"/>
                 </a:solidFill>
@@ -1991,7 +1991,7 @@
               <a:pPr>
                 <a:defRPr/>
               </a:pPr>
-              <a:t>6/2/2015</a:t>
+              <a:t>3/25/16</a:t>
             </a:fld>
             <a:endParaRPr lang="en-US" altLang="zh-CN"/>
           </a:p>
@@ -2264,7 +2264,7 @@
               <a:pPr>
                 <a:defRPr/>
               </a:pPr>
-              <a:t>6/2/2015</a:t>
+              <a:t>3/25/16</a:t>
             </a:fld>
             <a:endParaRPr lang="en-US" altLang="zh-CN"/>
           </a:p>
@@ -2579,7 +2579,7 @@
               <a:pPr>
                 <a:defRPr/>
               </a:pPr>
-              <a:t>6/2/2015</a:t>
+              <a:t>3/25/16</a:t>
             </a:fld>
             <a:endParaRPr lang="en-US" altLang="zh-CN"/>
           </a:p>
@@ -3028,7 +3028,7 @@
               <a:pPr>
                 <a:defRPr/>
               </a:pPr>
-              <a:t>6/2/2015</a:t>
+              <a:t>3/25/16</a:t>
             </a:fld>
             <a:endParaRPr lang="en-US" altLang="zh-CN"/>
           </a:p>
@@ -3173,7 +3173,7 @@
               <a:pPr>
                 <a:defRPr/>
               </a:pPr>
-              <a:t>6/2/2015</a:t>
+              <a:t>3/25/16</a:t>
             </a:fld>
             <a:endParaRPr lang="en-US" altLang="zh-CN"/>
           </a:p>
@@ -3295,7 +3295,7 @@
               <a:pPr>
                 <a:defRPr/>
               </a:pPr>
-              <a:t>6/2/2015</a:t>
+              <a:t>3/25/16</a:t>
             </a:fld>
             <a:endParaRPr lang="en-US" altLang="zh-CN"/>
           </a:p>
@@ -3599,7 +3599,7 @@
               <a:pPr>
                 <a:defRPr/>
               </a:pPr>
-              <a:t>6/2/2015</a:t>
+              <a:t>3/25/16</a:t>
             </a:fld>
             <a:endParaRPr lang="en-US" altLang="zh-CN"/>
           </a:p>
@@ -3882,7 +3882,7 @@
               <a:pPr>
                 <a:defRPr/>
               </a:pPr>
-              <a:t>6/2/2015</a:t>
+              <a:t>3/25/16</a:t>
             </a:fld>
             <a:endParaRPr lang="en-US" altLang="zh-CN"/>
           </a:p>
@@ -4006,14 +4006,14 @@
           </a:ln>
           <a:extLst>
             <a:ext uri="{909E8E84-426E-40dd-AFC4-6F175D3DCCD1}">
-              <a14:hiddenFill xmlns="" xmlns:a14="http://schemas.microsoft.com/office/drawing/2010/main">
+              <a14:hiddenFill xmlns:a14="http://schemas.microsoft.com/office/drawing/2010/main" xmlns="">
                 <a:solidFill>
                   <a:srgbClr val="FFFFFF"/>
                 </a:solidFill>
               </a14:hiddenFill>
             </a:ext>
             <a:ext uri="{91240B29-F687-4f45-9708-019B960494DF}">
-              <a14:hiddenLine xmlns="" xmlns:a14="http://schemas.microsoft.com/office/drawing/2010/main" w="9525">
+              <a14:hiddenLine xmlns:a14="http://schemas.microsoft.com/office/drawing/2010/main" xmlns="" w="9525">
                 <a:solidFill>
                   <a:srgbClr val="000000"/>
                 </a:solidFill>
@@ -4064,14 +4064,14 @@
           </a:ln>
           <a:extLst>
             <a:ext uri="{909E8E84-426E-40dd-AFC4-6F175D3DCCD1}">
-              <a14:hiddenFill xmlns="" xmlns:a14="http://schemas.microsoft.com/office/drawing/2010/main">
+              <a14:hiddenFill xmlns:a14="http://schemas.microsoft.com/office/drawing/2010/main" xmlns="">
                 <a:solidFill>
                   <a:srgbClr val="FFFFFF"/>
                 </a:solidFill>
               </a14:hiddenFill>
             </a:ext>
             <a:ext uri="{91240B29-F687-4f45-9708-019B960494DF}">
-              <a14:hiddenLine xmlns="" xmlns:a14="http://schemas.microsoft.com/office/drawing/2010/main" w="9525">
+              <a14:hiddenLine xmlns:a14="http://schemas.microsoft.com/office/drawing/2010/main" xmlns="" w="9525">
                 <a:solidFill>
                   <a:srgbClr val="000000"/>
                 </a:solidFill>
@@ -4170,7 +4170,7 @@
               <a:pPr>
                 <a:defRPr/>
               </a:pPr>
-              <a:t>6/2/2015</a:t>
+              <a:t>3/25/16</a:t>
             </a:fld>
             <a:endParaRPr lang="en-US" altLang="zh-CN"/>
           </a:p>
@@ -4746,14 +4746,18 @@
           </a:p>
           <a:p>
             <a:r>
+              <a:rPr lang="en-US" dirty="0" smtClean="0"/>
+              <a:t>Ning Li (ningli30@uw.edu) </a:t>
+            </a:r>
+          </a:p>
+          <a:p>
+            <a:r>
+              <a:rPr lang="en-US" dirty="0" smtClean="0"/>
+              <a:t>Dr</a:t>
+            </a:r>
+            <a:r>
               <a:rPr lang="en-US" dirty="0"/>
-              <a:t>Yan Jin (yanjin@uw.edu)</a:t>
-            </a:r>
-          </a:p>
-          <a:p>
-            <a:r>
-              <a:rPr lang="en-US" dirty="0"/>
-              <a:t>Dr. Shuai Huang (shuaih@uw.edu</a:t>
+              <a:t>. Shuai Huang (shuaih@uw.edu</a:t>
             </a:r>
             <a:r>
               <a:rPr lang="en-US" dirty="0" smtClean="0"/>
@@ -5025,8 +5029,8 @@
           </a:p>
         </p:txBody>
       </p:sp>
-      <mc:AlternateContent xmlns:mc="http://schemas.openxmlformats.org/markup-compatibility/2006">
-        <mc:Choice xmlns:a14="http://schemas.microsoft.com/office/drawing/2010/main" Requires="a14">
+      <mc:AlternateContent xmlns:mc="http://schemas.openxmlformats.org/markup-compatibility/2006" xmlns:a14="http://schemas.microsoft.com/office/drawing/2010/main">
+        <mc:Choice Requires="a14">
           <p:sp>
             <p:nvSpPr>
               <p:cNvPr id="3" name="Content Placeholder 2"/>
@@ -5052,7 +5056,7 @@
                             <a:solidFill>
                               <a:schemeClr val="tx1"/>
                             </a:solidFill>
-                            <a:latin typeface="Cambria Math" panose="02040503050406030204" pitchFamily="18" charset="0"/>
+                            <a:latin typeface="Cambria Math" charset="0"/>
                           </a:rPr>
                         </m:ctrlPr>
                       </m:accPr>
@@ -5125,7 +5129,7 @@
             </p:txBody>
           </p:sp>
         </mc:Choice>
-        <mc:Fallback>
+        <mc:Fallback xmlns="">
           <p:sp>
             <p:nvSpPr>
               <p:cNvPr id="3" name="Content Placeholder 2"/>
@@ -5486,8 +5490,8 @@
           </a:p>
         </p:txBody>
       </p:sp>
-      <mc:AlternateContent xmlns:mc="http://schemas.openxmlformats.org/markup-compatibility/2006">
-        <mc:Choice xmlns:a14="http://schemas.microsoft.com/office/drawing/2010/main" Requires="a14">
+      <mc:AlternateContent xmlns:mc="http://schemas.openxmlformats.org/markup-compatibility/2006" xmlns:a14="http://schemas.microsoft.com/office/drawing/2010/main">
+        <mc:Choice Requires="a14">
           <p:sp>
             <p:nvSpPr>
               <p:cNvPr id="3" name="Content Placeholder 2"/>
@@ -5510,7 +5514,7 @@
                         <m:chr m:val="̅"/>
                         <m:ctrlPr>
                           <a:rPr lang="en-US" i="1">
-                            <a:latin typeface="Cambria Math" panose="02040503050406030204" pitchFamily="18" charset="0"/>
+                            <a:latin typeface="Cambria Math" charset="0"/>
                           </a:rPr>
                         </m:ctrlPr>
                       </m:accPr>
@@ -5580,7 +5584,7 @@
             </p:txBody>
           </p:sp>
         </mc:Choice>
-        <mc:Fallback>
+        <mc:Fallback xmlns="">
           <p:sp>
             <p:nvSpPr>
               <p:cNvPr id="3" name="Content Placeholder 2"/>
@@ -5851,15 +5855,7 @@
                   <a:srgbClr val="FF0000"/>
                 </a:solidFill>
               </a:rPr>
-              <a:t>R for quality </a:t>
-            </a:r>
-            <a:r>
-              <a:rPr lang="en-US" sz="2400" dirty="0" smtClean="0">
-                <a:solidFill>
-                  <a:srgbClr val="FF0000"/>
-                </a:solidFill>
-              </a:rPr>
-              <a:t>control</a:t>
+              <a:t>R for quality control</a:t>
             </a:r>
           </a:p>
         </p:txBody>
@@ -5924,8 +5920,8 @@
           </a:p>
         </p:txBody>
       </p:sp>
-      <mc:AlternateContent xmlns:mc="http://schemas.openxmlformats.org/markup-compatibility/2006">
-        <mc:Choice xmlns:a14="http://schemas.microsoft.com/office/drawing/2010/main" Requires="a14">
+      <mc:AlternateContent xmlns:mc="http://schemas.openxmlformats.org/markup-compatibility/2006" xmlns:a14="http://schemas.microsoft.com/office/drawing/2010/main">
+        <mc:Choice Requires="a14">
           <p:sp>
             <p:nvSpPr>
               <p:cNvPr id="3" name="Content Placeholder 2"/>
@@ -5951,7 +5947,7 @@
                             <a:solidFill>
                               <a:schemeClr val="tx1"/>
                             </a:solidFill>
-                            <a:latin typeface="Cambria Math" panose="02040503050406030204" pitchFamily="18" charset="0"/>
+                            <a:latin typeface="Cambria Math" charset="0"/>
                           </a:rPr>
                         </m:ctrlPr>
                       </m:accPr>
@@ -6032,7 +6028,7 @@
             </p:txBody>
           </p:sp>
         </mc:Choice>
-        <mc:Fallback>
+        <mc:Fallback xmlns="">
           <p:sp>
             <p:nvSpPr>
               <p:cNvPr id="3" name="Content Placeholder 2"/>
@@ -6501,8 +6497,8 @@
           </a:prstGeom>
         </p:spPr>
       </p:pic>
-      <mc:AlternateContent xmlns:mc="http://schemas.openxmlformats.org/markup-compatibility/2006">
-        <mc:Choice xmlns:a14="http://schemas.microsoft.com/office/drawing/2010/main" Requires="a14">
+      <mc:AlternateContent xmlns:mc="http://schemas.openxmlformats.org/markup-compatibility/2006" xmlns:a14="http://schemas.microsoft.com/office/drawing/2010/main">
+        <mc:Choice Requires="a14">
           <p:sp>
             <p:nvSpPr>
               <p:cNvPr id="10" name="TextBox 9"/>
@@ -6525,6 +6521,7 @@
               </a:bodyPr>
               <a:lstStyle/>
               <a:p>
+                <a:pPr/>
                 <a14:m>
                   <m:oMathPara xmlns:m="http://schemas.openxmlformats.org/officeDocument/2006/math">
                     <m:oMathParaPr>
@@ -6535,7 +6532,7 @@
                         <m:sSubPr>
                           <m:ctrlPr>
                             <a:rPr lang="en-US" i="1" smtClean="0">
-                              <a:latin typeface="Cambria Math" panose="02040503050406030204" pitchFamily="18" charset="0"/>
+                              <a:latin typeface="Cambria Math" charset="0"/>
                             </a:rPr>
                           </m:ctrlPr>
                         </m:sSubPr>
@@ -6561,25 +6558,7 @@
                         <a:rPr lang="en-US" b="0" i="1" smtClean="0">
                           <a:latin typeface="Cambria Math" panose="02040503050406030204" pitchFamily="18" charset="0"/>
                         </a:rPr>
-                        <m:t>=</m:t>
-                      </m:r>
-                      <m:r>
-                        <a:rPr lang="en-US" b="0" i="1" smtClean="0">
-                          <a:latin typeface="Cambria Math" panose="02040503050406030204" pitchFamily="18" charset="0"/>
-                        </a:rPr>
-                        <m:t>4</m:t>
-                      </m:r>
-                      <m:r>
-                        <a:rPr lang="en-US" b="0" i="1" smtClean="0">
-                          <a:latin typeface="Cambria Math" panose="02040503050406030204" pitchFamily="18" charset="0"/>
-                        </a:rPr>
-                        <m:t>.</m:t>
-                      </m:r>
-                      <m:r>
-                        <a:rPr lang="en-US" b="0" i="1" smtClean="0">
-                          <a:latin typeface="Cambria Math" panose="02040503050406030204" pitchFamily="18" charset="0"/>
-                        </a:rPr>
-                        <m:t>5</m:t>
+                        <m:t>=4.5</m:t>
                       </m:r>
                     </m:oMath>
                     <m:oMath xmlns:m="http://schemas.openxmlformats.org/officeDocument/2006/math">
@@ -6595,28 +6574,7 @@
                           <a:latin typeface="Cambria Math" panose="02040503050406030204" pitchFamily="18" charset="0"/>
                           <a:ea typeface="Cambria Math" panose="02040503050406030204" pitchFamily="18" charset="0"/>
                         </a:rPr>
-                        <m:t>=</m:t>
-                      </m:r>
-                      <m:r>
-                        <a:rPr lang="en-US" b="0" i="1" smtClean="0">
-                          <a:latin typeface="Cambria Math" panose="02040503050406030204" pitchFamily="18" charset="0"/>
-                          <a:ea typeface="Cambria Math" panose="02040503050406030204" pitchFamily="18" charset="0"/>
-                        </a:rPr>
-                        <m:t>2</m:t>
-                      </m:r>
-                      <m:r>
-                        <a:rPr lang="en-US" b="0" i="1" smtClean="0">
-                          <a:latin typeface="Cambria Math" panose="02040503050406030204" pitchFamily="18" charset="0"/>
-                          <a:ea typeface="Cambria Math" panose="02040503050406030204" pitchFamily="18" charset="0"/>
-                        </a:rPr>
-                        <m:t>.</m:t>
-                      </m:r>
-                      <m:r>
-                        <a:rPr lang="en-US" b="0" i="1" smtClean="0">
-                          <a:latin typeface="Cambria Math" panose="02040503050406030204" pitchFamily="18" charset="0"/>
-                          <a:ea typeface="Cambria Math" panose="02040503050406030204" pitchFamily="18" charset="0"/>
-                        </a:rPr>
-                        <m:t>79</m:t>
+                        <m:t>=2.79</m:t>
                       </m:r>
                     </m:oMath>
                     <m:oMath xmlns:m="http://schemas.openxmlformats.org/officeDocument/2006/math">
@@ -6632,28 +6590,7 @@
                           <a:latin typeface="Cambria Math" panose="02040503050406030204" pitchFamily="18" charset="0"/>
                           <a:ea typeface="Cambria Math" panose="02040503050406030204" pitchFamily="18" charset="0"/>
                         </a:rPr>
-                        <m:t>=</m:t>
-                      </m:r>
-                      <m:r>
-                        <a:rPr lang="en-US" b="0" i="1" smtClean="0">
-                          <a:latin typeface="Cambria Math" panose="02040503050406030204" pitchFamily="18" charset="0"/>
-                          <a:ea typeface="Cambria Math" panose="02040503050406030204" pitchFamily="18" charset="0"/>
-                        </a:rPr>
-                        <m:t>0</m:t>
-                      </m:r>
-                      <m:r>
-                        <a:rPr lang="en-US" b="0" i="1" smtClean="0">
-                          <a:latin typeface="Cambria Math" panose="02040503050406030204" pitchFamily="18" charset="0"/>
-                          <a:ea typeface="Cambria Math" panose="02040503050406030204" pitchFamily="18" charset="0"/>
-                        </a:rPr>
-                        <m:t>.</m:t>
-                      </m:r>
-                      <m:r>
-                        <a:rPr lang="en-US" b="0" i="1" smtClean="0">
-                          <a:latin typeface="Cambria Math" panose="02040503050406030204" pitchFamily="18" charset="0"/>
-                          <a:ea typeface="Cambria Math" panose="02040503050406030204" pitchFamily="18" charset="0"/>
-                        </a:rPr>
-                        <m:t>25</m:t>
+                        <m:t>=0.25</m:t>
                       </m:r>
                     </m:oMath>
                     <m:oMath xmlns:m="http://schemas.openxmlformats.org/officeDocument/2006/math">
@@ -6669,28 +6606,7 @@
                           <a:latin typeface="Cambria Math" panose="02040503050406030204" pitchFamily="18" charset="0"/>
                           <a:ea typeface="Cambria Math" panose="02040503050406030204" pitchFamily="18" charset="0"/>
                         </a:rPr>
-                        <m:t>=</m:t>
-                      </m:r>
-                      <m:r>
-                        <a:rPr lang="en-US" b="0" i="1" smtClean="0">
-                          <a:latin typeface="Cambria Math" panose="02040503050406030204" pitchFamily="18" charset="0"/>
-                          <a:ea typeface="Cambria Math" panose="02040503050406030204" pitchFamily="18" charset="0"/>
-                        </a:rPr>
-                        <m:t>8</m:t>
-                      </m:r>
-                      <m:r>
-                        <a:rPr lang="en-US" b="0" i="1" smtClean="0">
-                          <a:latin typeface="Cambria Math" panose="02040503050406030204" pitchFamily="18" charset="0"/>
-                          <a:ea typeface="Cambria Math" panose="02040503050406030204" pitchFamily="18" charset="0"/>
-                        </a:rPr>
-                        <m:t>.</m:t>
-                      </m:r>
-                      <m:r>
-                        <a:rPr lang="en-US" b="0" i="1" smtClean="0">
-                          <a:latin typeface="Cambria Math" panose="02040503050406030204" pitchFamily="18" charset="0"/>
-                          <a:ea typeface="Cambria Math" panose="02040503050406030204" pitchFamily="18" charset="0"/>
-                        </a:rPr>
-                        <m:t>01</m:t>
+                        <m:t>=8.01</m:t>
                       </m:r>
                     </m:oMath>
                   </m:oMathPara>
@@ -6700,7 +6616,7 @@
             </p:txBody>
           </p:sp>
         </mc:Choice>
-        <mc:Fallback>
+        <mc:Fallback xmlns="">
           <p:sp>
             <p:nvSpPr>
               <p:cNvPr id="10" name="TextBox 9"/>
@@ -7062,8 +6978,8 @@
           </a:p>
         </p:txBody>
       </p:sp>
-      <mc:AlternateContent xmlns:mc="http://schemas.openxmlformats.org/markup-compatibility/2006">
-        <mc:Choice xmlns:a14="http://schemas.microsoft.com/office/drawing/2010/main" Requires="a14">
+      <mc:AlternateContent xmlns:mc="http://schemas.openxmlformats.org/markup-compatibility/2006" xmlns:a14="http://schemas.microsoft.com/office/drawing/2010/main">
+        <mc:Choice Requires="a14">
           <p:sp>
             <p:nvSpPr>
               <p:cNvPr id="3" name="Content Placeholder 2"/>
@@ -7086,7 +7002,7 @@
                         <m:chr m:val="̅"/>
                         <m:ctrlPr>
                           <a:rPr lang="en-US" i="1" smtClean="0">
-                            <a:latin typeface="Cambria Math" panose="02040503050406030204" pitchFamily="18" charset="0"/>
+                            <a:latin typeface="Cambria Math" charset="0"/>
                           </a:rPr>
                         </m:ctrlPr>
                       </m:accPr>
@@ -7143,7 +7059,7 @@
             </p:txBody>
           </p:sp>
         </mc:Choice>
-        <mc:Fallback>
+        <mc:Fallback xmlns="">
           <p:sp>
             <p:nvSpPr>
               <p:cNvPr id="3" name="Content Placeholder 2"/>
@@ -7237,8 +7153,8 @@
           </a:p>
         </p:txBody>
       </p:sp>
-      <mc:AlternateContent xmlns:mc="http://schemas.openxmlformats.org/markup-compatibility/2006">
-        <mc:Choice xmlns:a14="http://schemas.microsoft.com/office/drawing/2010/main" Requires="a14">
+      <mc:AlternateContent xmlns:mc="http://schemas.openxmlformats.org/markup-compatibility/2006" xmlns:a14="http://schemas.microsoft.com/office/drawing/2010/main">
+        <mc:Choice Requires="a14">
           <p:sp>
             <p:nvSpPr>
               <p:cNvPr id="3" name="Content Placeholder 2"/>
@@ -7264,7 +7180,7 @@
                             <a:solidFill>
                               <a:srgbClr val="FF0000"/>
                             </a:solidFill>
-                            <a:latin typeface="Cambria Math" panose="02040503050406030204" pitchFamily="18" charset="0"/>
+                            <a:latin typeface="Cambria Math" charset="0"/>
                           </a:rPr>
                         </m:ctrlPr>
                       </m:accPr>
@@ -7335,7 +7251,7 @@
             </p:txBody>
           </p:sp>
         </mc:Choice>
-        <mc:Fallback>
+        <mc:Fallback xmlns="">
           <p:sp>
             <p:nvSpPr>
               <p:cNvPr id="3" name="Content Placeholder 2"/>
